--- a/Perceptive-Adaptive-Routing.pptx
+++ b/Perceptive-Adaptive-Routing.pptx
@@ -124,6 +124,11 @@
       </a:defRPr>
     </a:lvl9pPr>
   </p:defaultTextStyle>
+  <p:extLst>
+    <p:ext uri="{EFAFB233-063F-42B5-8137-9DF3F51BA10A}">
+      <p15:sldGuideLst xmlns:p15="http://schemas.microsoft.com/office/powerpoint/2012/main"/>
+    </p:ext>
+  </p:extLst>
 </p:presentation>
 </file>
 
@@ -209,7 +214,7 @@
           <a:p>
             <a:fld id="{FFF14F2F-BA17-43EE-8091-EB6C803C6BEA}" type="datetimeFigureOut">
               <a:rPr lang="en-GB" smtClean="0"/>
-              <a:t>03/11/2024</a:t>
+              <a:t>04/11/2024</a:t>
             </a:fld>
             <a:endParaRPr lang="en-GB"/>
           </a:p>
@@ -916,7 +921,7 @@
           <a:p>
             <a:fld id="{1209ADA5-7BC8-4230-B434-FFC4801D86DE}" type="datetimeFigureOut">
               <a:rPr lang="en-GB" smtClean="0"/>
-              <a:t>03/11/2024</a:t>
+              <a:t>04/11/2024</a:t>
             </a:fld>
             <a:endParaRPr lang="en-GB"/>
           </a:p>
@@ -1116,7 +1121,7 @@
           <a:p>
             <a:fld id="{1209ADA5-7BC8-4230-B434-FFC4801D86DE}" type="datetimeFigureOut">
               <a:rPr lang="en-GB" smtClean="0"/>
-              <a:t>03/11/2024</a:t>
+              <a:t>04/11/2024</a:t>
             </a:fld>
             <a:endParaRPr lang="en-GB"/>
           </a:p>
@@ -1326,7 +1331,7 @@
           <a:p>
             <a:fld id="{1209ADA5-7BC8-4230-B434-FFC4801D86DE}" type="datetimeFigureOut">
               <a:rPr lang="en-GB" smtClean="0"/>
-              <a:t>03/11/2024</a:t>
+              <a:t>04/11/2024</a:t>
             </a:fld>
             <a:endParaRPr lang="en-GB"/>
           </a:p>
@@ -1526,7 +1531,7 @@
           <a:p>
             <a:fld id="{1209ADA5-7BC8-4230-B434-FFC4801D86DE}" type="datetimeFigureOut">
               <a:rPr lang="en-GB" smtClean="0"/>
-              <a:t>03/11/2024</a:t>
+              <a:t>04/11/2024</a:t>
             </a:fld>
             <a:endParaRPr lang="en-GB"/>
           </a:p>
@@ -1802,7 +1807,7 @@
           <a:p>
             <a:fld id="{1209ADA5-7BC8-4230-B434-FFC4801D86DE}" type="datetimeFigureOut">
               <a:rPr lang="en-GB" smtClean="0"/>
-              <a:t>03/11/2024</a:t>
+              <a:t>04/11/2024</a:t>
             </a:fld>
             <a:endParaRPr lang="en-GB"/>
           </a:p>
@@ -2070,7 +2075,7 @@
           <a:p>
             <a:fld id="{1209ADA5-7BC8-4230-B434-FFC4801D86DE}" type="datetimeFigureOut">
               <a:rPr lang="en-GB" smtClean="0"/>
-              <a:t>03/11/2024</a:t>
+              <a:t>04/11/2024</a:t>
             </a:fld>
             <a:endParaRPr lang="en-GB"/>
           </a:p>
@@ -2485,7 +2490,7 @@
           <a:p>
             <a:fld id="{1209ADA5-7BC8-4230-B434-FFC4801D86DE}" type="datetimeFigureOut">
               <a:rPr lang="en-GB" smtClean="0"/>
-              <a:t>03/11/2024</a:t>
+              <a:t>04/11/2024</a:t>
             </a:fld>
             <a:endParaRPr lang="en-GB"/>
           </a:p>
@@ -2627,7 +2632,7 @@
           <a:p>
             <a:fld id="{1209ADA5-7BC8-4230-B434-FFC4801D86DE}" type="datetimeFigureOut">
               <a:rPr lang="en-GB" smtClean="0"/>
-              <a:t>03/11/2024</a:t>
+              <a:t>04/11/2024</a:t>
             </a:fld>
             <a:endParaRPr lang="en-GB"/>
           </a:p>
@@ -2740,7 +2745,7 @@
           <a:p>
             <a:fld id="{1209ADA5-7BC8-4230-B434-FFC4801D86DE}" type="datetimeFigureOut">
               <a:rPr lang="en-GB" smtClean="0"/>
-              <a:t>03/11/2024</a:t>
+              <a:t>04/11/2024</a:t>
             </a:fld>
             <a:endParaRPr lang="en-GB"/>
           </a:p>
@@ -3053,7 +3058,7 @@
           <a:p>
             <a:fld id="{1209ADA5-7BC8-4230-B434-FFC4801D86DE}" type="datetimeFigureOut">
               <a:rPr lang="en-GB" smtClean="0"/>
-              <a:t>03/11/2024</a:t>
+              <a:t>04/11/2024</a:t>
             </a:fld>
             <a:endParaRPr lang="en-GB"/>
           </a:p>
@@ -3342,7 +3347,7 @@
           <a:p>
             <a:fld id="{1209ADA5-7BC8-4230-B434-FFC4801D86DE}" type="datetimeFigureOut">
               <a:rPr lang="en-GB" smtClean="0"/>
-              <a:t>03/11/2024</a:t>
+              <a:t>04/11/2024</a:t>
             </a:fld>
             <a:endParaRPr lang="en-GB"/>
           </a:p>
@@ -3585,7 +3590,7 @@
           <a:p>
             <a:fld id="{1209ADA5-7BC8-4230-B434-FFC4801D86DE}" type="datetimeFigureOut">
               <a:rPr lang="en-GB" smtClean="0"/>
-              <a:t>03/11/2024</a:t>
+              <a:t>04/11/2024</a:t>
             </a:fld>
             <a:endParaRPr lang="en-GB"/>
           </a:p>
@@ -37426,13 +37431,13 @@
         </p:nvSpPr>
         <p:spPr>
           <a:xfrm>
-            <a:off x="176499" y="1139974"/>
-            <a:ext cx="11672299" cy="5254642"/>
+            <a:off x="176499" y="1139973"/>
+            <a:ext cx="11672299" cy="5463005"/>
           </a:xfrm>
         </p:spPr>
         <p:txBody>
           <a:bodyPr>
-            <a:normAutofit fontScale="92500" lnSpcReduction="10000"/>
+            <a:normAutofit fontScale="85000" lnSpcReduction="20000"/>
           </a:bodyPr>
           <a:lstStyle/>
           <a:p>
@@ -37447,7 +37452,35 @@
                 <a:latin typeface="等线" panose="02010600030101010101" pitchFamily="2" charset="-122"/>
                 <a:ea typeface="等线" panose="02010600030101010101" pitchFamily="2" charset="-122"/>
               </a:rPr>
-              <a:t>Several Changes brought by AI network:</a:t>
+              <a:t>Advances in DC topologies being made all the time</a:t>
+            </a:r>
+          </a:p>
+          <a:p>
+            <a:pPr lvl="1">
+              <a:lnSpc>
+                <a:spcPct val="150000"/>
+              </a:lnSpc>
+            </a:pPr>
+            <a:r>
+              <a:rPr lang="en-US" altLang="zh-CN" sz="1600" dirty="0">
+                <a:latin typeface="等线" panose="02010600030101010101" pitchFamily="2" charset="-122"/>
+                <a:ea typeface="等线" panose="02010600030101010101" pitchFamily="2" charset="-122"/>
+              </a:rPr>
+              <a:t>Enable greater resiliency and robustness</a:t>
+            </a:r>
+          </a:p>
+          <a:p>
+            <a:pPr lvl="1">
+              <a:lnSpc>
+                <a:spcPct val="150000"/>
+              </a:lnSpc>
+            </a:pPr>
+            <a:r>
+              <a:rPr lang="en-US" altLang="zh-CN" sz="1600" dirty="0">
+                <a:latin typeface="等线" panose="02010600030101010101" pitchFamily="2" charset="-122"/>
+                <a:ea typeface="等线" panose="02010600030101010101" pitchFamily="2" charset="-122"/>
+              </a:rPr>
+              <a:t>Facilitates more parallelism in complex processing tasks</a:t>
             </a:r>
           </a:p>
           <a:p>
@@ -37461,7 +37494,20 @@
                 <a:latin typeface="等线" panose="02010600030101010101" pitchFamily="2" charset="-122"/>
                 <a:ea typeface="等线" panose="02010600030101010101" pitchFamily="2" charset="-122"/>
               </a:rPr>
-              <a:t>Various New Network Topologies to are Introduced to the DC that could Enable AI Training</a:t>
+              <a:t>Various New Network Topologies to are Introduced to the DC that could enable</a:t>
+            </a:r>
+            <a:br>
+              <a:rPr lang="en-US" altLang="zh-CN" sz="1600" b="1" dirty="0">
+                <a:latin typeface="等线" panose="02010600030101010101" pitchFamily="2" charset="-122"/>
+                <a:ea typeface="等线" panose="02010600030101010101" pitchFamily="2" charset="-122"/>
+              </a:rPr>
+            </a:br>
+            <a:r>
+              <a:rPr lang="en-US" altLang="zh-CN" sz="1600" b="1" dirty="0">
+                <a:latin typeface="等线" panose="02010600030101010101" pitchFamily="2" charset="-122"/>
+                <a:ea typeface="等线" panose="02010600030101010101" pitchFamily="2" charset="-122"/>
+              </a:rPr>
+              <a:t>new applications such as AI Training</a:t>
             </a:r>
           </a:p>
           <a:p>
@@ -37529,7 +37575,7 @@
                 <a:latin typeface="等线" panose="02010600030101010101" pitchFamily="2" charset="-122"/>
                 <a:ea typeface="等线" panose="02010600030101010101" pitchFamily="2" charset="-122"/>
               </a:rPr>
-              <a:t>AI Training Changes Traffic Models</a:t>
+              <a:t>Changes to Traffic Models (for example, for AI training)</a:t>
             </a:r>
             <a:endParaRPr lang="en-US" sz="1600" b="1" dirty="0">
               <a:latin typeface="等线" panose="02010600030101010101" pitchFamily="2" charset="-122"/>
@@ -37554,7 +37600,7 @@
                 <a:latin typeface="等线" panose="02010600030101010101" pitchFamily="2" charset="-122"/>
                 <a:ea typeface="等线" panose="02010600030101010101" pitchFamily="2" charset="-122"/>
               </a:rPr>
-              <a:t>: AI workloads typically involve the transmission of </a:t>
+              <a:t>: Some workloads may involve the transmission of </a:t>
             </a:r>
             <a:r>
               <a:rPr lang="en-US" sz="1600" dirty="0">
@@ -37591,7 +37637,7 @@
                 <a:latin typeface="等线" panose="02010600030101010101" pitchFamily="2" charset="-122"/>
                 <a:ea typeface="等线" panose="02010600030101010101" pitchFamily="2" charset="-122"/>
               </a:rPr>
-              <a:t>, unlike traditional data center traffic which may consist of smaller, more frequent packets.</a:t>
+              <a:t>, unlike ordinary data center traffic which may consist of smaller, more frequent packets.</a:t>
             </a:r>
           </a:p>
           <a:p>
@@ -37612,7 +37658,7 @@
                 <a:latin typeface="等线" panose="02010600030101010101" pitchFamily="2" charset="-122"/>
                 <a:ea typeface="等线" panose="02010600030101010101" pitchFamily="2" charset="-122"/>
               </a:rPr>
-              <a:t>: The nature of AI tasks, such as training machine learning models, generates </a:t>
+              <a:t>: Some applications (such as AI training) generates </a:t>
             </a:r>
             <a:r>
               <a:rPr lang="en-US" sz="1600" dirty="0">
@@ -37650,7 +37696,7 @@
                 <a:latin typeface="等线" panose="02010600030101010101" pitchFamily="2" charset="-122"/>
                 <a:ea typeface="等线" panose="02010600030101010101" pitchFamily="2" charset="-122"/>
               </a:rPr>
-              <a:t>: Compared to traditional data centers, AI data centers handle </a:t>
+              <a:t>: Specialist data centers (e.g., those built for AI) handle </a:t>
             </a:r>
             <a:r>
               <a:rPr lang="en-US" sz="1600" dirty="0">
@@ -37667,7 +37713,7 @@
                 <a:latin typeface="等线" panose="02010600030101010101" pitchFamily="2" charset="-122"/>
                 <a:ea typeface="等线" panose="02010600030101010101" pitchFamily="2" charset="-122"/>
               </a:rPr>
-              <a:t>, reflecting the intensive and concentrated data transfer needs of AI applications.</a:t>
+              <a:t>, reflecting the intensive and concentrated data transfer needs of the applications.</a:t>
             </a:r>
           </a:p>
           <a:p>
@@ -37681,7 +37727,7 @@
                 <a:latin typeface="等线" panose="02010600030101010101" pitchFamily="2" charset="-122"/>
                 <a:ea typeface="等线" panose="02010600030101010101" pitchFamily="2" charset="-122"/>
               </a:rPr>
-              <a:t>Parallelism and Collective Communication are Powerful Tools Support AI Training in the DC</a:t>
+              <a:t>Parallelism and Collective Communication are Powerful Tools</a:t>
             </a:r>
             <a:endParaRPr lang="en-US" sz="1600" dirty="0">
               <a:latin typeface="等线" panose="02010600030101010101" pitchFamily="2" charset="-122"/>
@@ -37718,7 +37764,7 @@
         </p:blipFill>
         <p:spPr>
           <a:xfrm>
-            <a:off x="3781693" y="2098045"/>
+            <a:off x="7802297" y="1129420"/>
             <a:ext cx="4167210" cy="1507649"/>
           </a:xfrm>
           <a:prstGeom prst="rect">
@@ -37740,7 +37786,7 @@
         </p:nvGrpSpPr>
         <p:grpSpPr>
           <a:xfrm>
-            <a:off x="8080253" y="2098045"/>
+            <a:off x="8080253" y="2718370"/>
             <a:ext cx="3976813" cy="1507649"/>
             <a:chOff x="1039608" y="3429000"/>
             <a:chExt cx="5117455" cy="2166294"/>
@@ -37881,19 +37927,8 @@
                 <a:latin typeface="等线" panose="02010600030101010101" pitchFamily="2" charset="-122"/>
                 <a:ea typeface="等线" panose="02010600030101010101" pitchFamily="2" charset="-122"/>
               </a:rPr>
-              <a:t>Key Challenges in AI Data Center Networks</a:t>
-            </a:r>
-            <a:r>
-              <a:rPr lang="zh-CN" altLang="en-US" sz="1600" b="1" dirty="0">
-                <a:latin typeface="等线" panose="02010600030101010101" pitchFamily="2" charset="-122"/>
-                <a:ea typeface="等线" panose="02010600030101010101" pitchFamily="2" charset="-122"/>
-              </a:rPr>
-              <a:t>：</a:t>
-            </a:r>
-            <a:endParaRPr lang="en-US" sz="1600" b="1" dirty="0">
-              <a:latin typeface="等线" panose="02010600030101010101" pitchFamily="2" charset="-122"/>
-              <a:ea typeface="等线" panose="02010600030101010101" pitchFamily="2" charset="-122"/>
-            </a:endParaRPr>
+              <a:t>Taking the AI Data Center Network as an example, the key challenges are:</a:t>
+            </a:r>
           </a:p>
           <a:p>
             <a:pPr>

--- a/Perceptive-Adaptive-Routing.pptx
+++ b/Perceptive-Adaptive-Routing.pptx
@@ -37431,8 +37431,8 @@
         </p:nvSpPr>
         <p:spPr>
           <a:xfrm>
-            <a:off x="176499" y="1139973"/>
-            <a:ext cx="11672299" cy="5463005"/>
+            <a:off x="176499" y="960351"/>
+            <a:ext cx="11672299" cy="5725338"/>
           </a:xfrm>
         </p:spPr>
         <p:txBody>
@@ -37729,9 +37729,27 @@
               </a:rPr>
               <a:t>Parallelism and Collective Communication are Powerful Tools</a:t>
             </a:r>
-            <a:endParaRPr lang="en-US" sz="1600" dirty="0">
-              <a:latin typeface="等线" panose="02010600030101010101" pitchFamily="2" charset="-122"/>
-              <a:ea typeface="等线" panose="02010600030101010101" pitchFamily="2" charset="-122"/>
+          </a:p>
+          <a:p>
+            <a:pPr lvl="1">
+              <a:lnSpc>
+                <a:spcPct val="150000"/>
+              </a:lnSpc>
+            </a:pPr>
+            <a:r>
+              <a:rPr lang="en-US" sz="1500" dirty="0">
+                <a:effectLst/>
+                <a:latin typeface="DengXian" panose="02010600030101010101" pitchFamily="2" charset="-122"/>
+                <a:ea typeface="DengXian" panose="02010600030101010101" pitchFamily="2" charset="-122"/>
+                <a:cs typeface="Calibri" panose="020F0502020204030204" pitchFamily="34" charset="0"/>
+              </a:rPr>
+              <a:t>It also could be applicable beyond data center to inter-data center collaboration scenarios.</a:t>
+            </a:r>
+            <a:endParaRPr lang="en-GB" sz="1500" dirty="0">
+              <a:effectLst/>
+              <a:latin typeface="DengXian" panose="02010600030101010101" pitchFamily="2" charset="-122"/>
+              <a:ea typeface="DengXian" panose="02010600030101010101" pitchFamily="2" charset="-122"/>
+              <a:cs typeface="Calibri" panose="020F0502020204030204" pitchFamily="34" charset="0"/>
             </a:endParaRPr>
           </a:p>
         </p:txBody>
@@ -37764,7 +37782,7 @@
         </p:blipFill>
         <p:spPr>
           <a:xfrm>
-            <a:off x="7802297" y="1129420"/>
+            <a:off x="7802297" y="876695"/>
             <a:ext cx="4167210" cy="1507649"/>
           </a:xfrm>
           <a:prstGeom prst="rect">
@@ -37786,7 +37804,7 @@
         </p:nvGrpSpPr>
         <p:grpSpPr>
           <a:xfrm>
-            <a:off x="8080253" y="2718370"/>
+            <a:off x="7864288" y="2424290"/>
             <a:ext cx="3976813" cy="1507649"/>
             <a:chOff x="1039608" y="3429000"/>
             <a:chExt cx="5117455" cy="2166294"/>

--- a/Perceptive-Adaptive-Routing.pptx
+++ b/Perceptive-Adaptive-Routing.pptx
@@ -36350,7 +36350,7 @@
             </a:pPr>
             <a:r>
               <a:rPr lang="en-GB" dirty="0"/>
-              <a:t>Why/how is this different from RFC 3286 (https://datatracker.ietf.org/doc/rfc2386/)?</a:t>
+              <a:t>Why/how is this different from RFC 2386 (https://datatracker.ietf.org/doc/rfc2386/)?</a:t>
             </a:r>
           </a:p>
           <a:p>
